--- a/Batch-07/Proff Lecture Material/9. Security Group.pptx
+++ b/Batch-07/Proff Lecture Material/9. Security Group.pptx
@@ -111,6 +111,22 @@
       </a:defRPr>
     </a:lvl9pPr>
   </p:defaultTextStyle>
+  <p:extLst>
+    <p:ext uri="{EFAFB233-063F-42B5-8137-9DF3F51BA10A}">
+      <p15:sldGuideLst xmlns:p15="http://schemas.microsoft.com/office/powerpoint/2012/main">
+        <p15:guide id="1" orient="horz" pos="2160">
+          <p15:clr>
+            <a:srgbClr val="A4A3A4"/>
+          </p15:clr>
+        </p15:guide>
+        <p15:guide id="2" pos="2880">
+          <p15:clr>
+            <a:srgbClr val="A4A3A4"/>
+          </p15:clr>
+        </p15:guide>
+      </p15:sldGuideLst>
+    </p:ext>
+  </p:extLst>
 </p:presentation>
 </file>
 
@@ -202,10 +218,9 @@
           </a:lstStyle>
           <a:p>
             <a:r>
-              <a:rPr kumimoji="0" lang="en-US" smtClean="0"/>
+              <a:rPr kumimoji="0" lang="en-US"/>
               <a:t>Click to edit Master title style</a:t>
             </a:r>
-            <a:endParaRPr kumimoji="0" lang="en-US"/>
           </a:p>
         </p:txBody>
       </p:sp>
@@ -263,10 +278,9 @@
           </a:lstStyle>
           <a:p>
             <a:r>
-              <a:rPr kumimoji="0" lang="en-US" smtClean="0"/>
+              <a:rPr kumimoji="0" lang="en-US"/>
               <a:t>Click to edit Master subtitle style</a:t>
             </a:r>
-            <a:endParaRPr kumimoji="0" lang="en-US"/>
           </a:p>
         </p:txBody>
       </p:sp>
@@ -287,7 +301,7 @@
           <a:p>
             <a:fld id="{097CEB16-CB3F-4206-9AA3-79C9C233772B}" type="datetimeFigureOut">
               <a:rPr lang="en-US" smtClean="0"/>
-              <a:t>4/8/2020</a:t>
+              <a:t>12/5/2021</a:t>
             </a:fld>
             <a:endParaRPr lang="en-US"/>
           </a:p>
@@ -376,10 +390,9 @@
           <a:lstStyle/>
           <a:p>
             <a:r>
-              <a:rPr kumimoji="0" lang="en-US" smtClean="0"/>
+              <a:rPr kumimoji="0" lang="en-US"/>
               <a:t>Click to edit Master title style</a:t>
             </a:r>
-            <a:endParaRPr kumimoji="0" lang="en-US"/>
           </a:p>
         </p:txBody>
       </p:sp>
@@ -400,35 +413,35 @@
           <a:p>
             <a:pPr lvl="0" eaLnBrk="1" latinLnBrk="0" hangingPunct="1"/>
             <a:r>
-              <a:rPr lang="en-US" smtClean="0"/>
+              <a:rPr lang="en-US"/>
               <a:t>Click to edit Master text styles</a:t>
             </a:r>
           </a:p>
           <a:p>
             <a:pPr lvl="1" eaLnBrk="1" latinLnBrk="0" hangingPunct="1"/>
             <a:r>
-              <a:rPr lang="en-US" smtClean="0"/>
+              <a:rPr lang="en-US"/>
               <a:t>Second level</a:t>
             </a:r>
           </a:p>
           <a:p>
             <a:pPr lvl="2" eaLnBrk="1" latinLnBrk="0" hangingPunct="1"/>
             <a:r>
-              <a:rPr lang="en-US" smtClean="0"/>
+              <a:rPr lang="en-US"/>
               <a:t>Third level</a:t>
             </a:r>
           </a:p>
           <a:p>
             <a:pPr lvl="3" eaLnBrk="1" latinLnBrk="0" hangingPunct="1"/>
             <a:r>
-              <a:rPr lang="en-US" smtClean="0"/>
+              <a:rPr lang="en-US"/>
               <a:t>Fourth level</a:t>
             </a:r>
           </a:p>
           <a:p>
             <a:pPr lvl="4" eaLnBrk="1" latinLnBrk="0" hangingPunct="1"/>
             <a:r>
-              <a:rPr lang="en-US" smtClean="0"/>
+              <a:rPr lang="en-US"/>
               <a:t>Fifth level</a:t>
             </a:r>
             <a:endParaRPr kumimoji="0" lang="en-US"/>
@@ -452,7 +465,7 @@
           <a:p>
             <a:fld id="{097CEB16-CB3F-4206-9AA3-79C9C233772B}" type="datetimeFigureOut">
               <a:rPr lang="en-US" smtClean="0"/>
-              <a:t>4/8/2020</a:t>
+              <a:t>12/5/2021</a:t>
             </a:fld>
             <a:endParaRPr lang="en-US"/>
           </a:p>
@@ -546,10 +559,9 @@
           <a:lstStyle/>
           <a:p>
             <a:r>
-              <a:rPr kumimoji="0" lang="en-US" smtClean="0"/>
+              <a:rPr kumimoji="0" lang="en-US"/>
               <a:t>Click to edit Master title style</a:t>
             </a:r>
-            <a:endParaRPr kumimoji="0" lang="en-US"/>
           </a:p>
         </p:txBody>
       </p:sp>
@@ -575,35 +587,35 @@
           <a:p>
             <a:pPr lvl="0" eaLnBrk="1" latinLnBrk="0" hangingPunct="1"/>
             <a:r>
-              <a:rPr lang="en-US" smtClean="0"/>
+              <a:rPr lang="en-US"/>
               <a:t>Click to edit Master text styles</a:t>
             </a:r>
           </a:p>
           <a:p>
             <a:pPr lvl="1" eaLnBrk="1" latinLnBrk="0" hangingPunct="1"/>
             <a:r>
-              <a:rPr lang="en-US" smtClean="0"/>
+              <a:rPr lang="en-US"/>
               <a:t>Second level</a:t>
             </a:r>
           </a:p>
           <a:p>
             <a:pPr lvl="2" eaLnBrk="1" latinLnBrk="0" hangingPunct="1"/>
             <a:r>
-              <a:rPr lang="en-US" smtClean="0"/>
+              <a:rPr lang="en-US"/>
               <a:t>Third level</a:t>
             </a:r>
           </a:p>
           <a:p>
             <a:pPr lvl="3" eaLnBrk="1" latinLnBrk="0" hangingPunct="1"/>
             <a:r>
-              <a:rPr lang="en-US" smtClean="0"/>
+              <a:rPr lang="en-US"/>
               <a:t>Fourth level</a:t>
             </a:r>
           </a:p>
           <a:p>
             <a:pPr lvl="4" eaLnBrk="1" latinLnBrk="0" hangingPunct="1"/>
             <a:r>
-              <a:rPr lang="en-US" smtClean="0"/>
+              <a:rPr lang="en-US"/>
               <a:t>Fifth level</a:t>
             </a:r>
             <a:endParaRPr kumimoji="0" lang="en-US"/>
@@ -627,7 +639,7 @@
           <a:p>
             <a:fld id="{097CEB16-CB3F-4206-9AA3-79C9C233772B}" type="datetimeFigureOut">
               <a:rPr lang="en-US" smtClean="0"/>
-              <a:t>4/8/2020</a:t>
+              <a:t>12/5/2021</a:t>
             </a:fld>
             <a:endParaRPr lang="en-US"/>
           </a:p>
@@ -716,10 +728,9 @@
           <a:lstStyle/>
           <a:p>
             <a:r>
-              <a:rPr kumimoji="0" lang="en-US" smtClean="0"/>
+              <a:rPr kumimoji="0" lang="en-US"/>
               <a:t>Click to edit Master title style</a:t>
             </a:r>
-            <a:endParaRPr kumimoji="0" lang="en-US"/>
           </a:p>
         </p:txBody>
       </p:sp>
@@ -740,35 +751,35 @@
           <a:p>
             <a:pPr lvl="0" eaLnBrk="1" latinLnBrk="0" hangingPunct="1"/>
             <a:r>
-              <a:rPr lang="en-US" smtClean="0"/>
+              <a:rPr lang="en-US"/>
               <a:t>Click to edit Master text styles</a:t>
             </a:r>
           </a:p>
           <a:p>
             <a:pPr lvl="1" eaLnBrk="1" latinLnBrk="0" hangingPunct="1"/>
             <a:r>
-              <a:rPr lang="en-US" smtClean="0"/>
+              <a:rPr lang="en-US"/>
               <a:t>Second level</a:t>
             </a:r>
           </a:p>
           <a:p>
             <a:pPr lvl="2" eaLnBrk="1" latinLnBrk="0" hangingPunct="1"/>
             <a:r>
-              <a:rPr lang="en-US" smtClean="0"/>
+              <a:rPr lang="en-US"/>
               <a:t>Third level</a:t>
             </a:r>
           </a:p>
           <a:p>
             <a:pPr lvl="3" eaLnBrk="1" latinLnBrk="0" hangingPunct="1"/>
             <a:r>
-              <a:rPr lang="en-US" smtClean="0"/>
+              <a:rPr lang="en-US"/>
               <a:t>Fourth level</a:t>
             </a:r>
           </a:p>
           <a:p>
             <a:pPr lvl="4" eaLnBrk="1" latinLnBrk="0" hangingPunct="1"/>
             <a:r>
-              <a:rPr lang="en-US" smtClean="0"/>
+              <a:rPr lang="en-US"/>
               <a:t>Fifth level</a:t>
             </a:r>
             <a:endParaRPr kumimoji="0" lang="en-US"/>
@@ -792,7 +803,7 @@
           <a:p>
             <a:fld id="{097CEB16-CB3F-4206-9AA3-79C9C233772B}" type="datetimeFigureOut">
               <a:rPr lang="en-US" smtClean="0"/>
-              <a:t>4/8/2020</a:t>
+              <a:t>12/5/2021</a:t>
             </a:fld>
             <a:endParaRPr lang="en-US"/>
           </a:p>
@@ -933,10 +944,9 @@
           </a:lstStyle>
           <a:p>
             <a:r>
-              <a:rPr kumimoji="0" lang="en-US" smtClean="0"/>
+              <a:rPr kumimoji="0" lang="en-US"/>
               <a:t>Click to edit Master title style</a:t>
             </a:r>
-            <a:endParaRPr kumimoji="0" lang="en-US"/>
           </a:p>
         </p:txBody>
       </p:sp>
@@ -1011,7 +1021,7 @@
           <a:p>
             <a:pPr lvl="0" eaLnBrk="1" latinLnBrk="0" hangingPunct="1"/>
             <a:r>
-              <a:rPr kumimoji="0" lang="en-US" smtClean="0"/>
+              <a:rPr kumimoji="0" lang="en-US"/>
               <a:t>Click to edit Master text styles</a:t>
             </a:r>
           </a:p>
@@ -1034,7 +1044,7 @@
           <a:p>
             <a:fld id="{097CEB16-CB3F-4206-9AA3-79C9C233772B}" type="datetimeFigureOut">
               <a:rPr lang="en-US" smtClean="0"/>
-              <a:t>4/8/2020</a:t>
+              <a:t>12/5/2021</a:t>
             </a:fld>
             <a:endParaRPr lang="en-US"/>
           </a:p>
@@ -1128,10 +1138,9 @@
           <a:lstStyle/>
           <a:p>
             <a:r>
-              <a:rPr kumimoji="0" lang="en-US" smtClean="0"/>
+              <a:rPr kumimoji="0" lang="en-US"/>
               <a:t>Click to edit Master title style</a:t>
             </a:r>
-            <a:endParaRPr kumimoji="0" lang="en-US"/>
           </a:p>
         </p:txBody>
       </p:sp>
@@ -1173,35 +1182,35 @@
           <a:p>
             <a:pPr lvl="0" eaLnBrk="1" latinLnBrk="0" hangingPunct="1"/>
             <a:r>
-              <a:rPr lang="en-US" smtClean="0"/>
+              <a:rPr lang="en-US"/>
               <a:t>Click to edit Master text styles</a:t>
             </a:r>
           </a:p>
           <a:p>
             <a:pPr lvl="1" eaLnBrk="1" latinLnBrk="0" hangingPunct="1"/>
             <a:r>
-              <a:rPr lang="en-US" smtClean="0"/>
+              <a:rPr lang="en-US"/>
               <a:t>Second level</a:t>
             </a:r>
           </a:p>
           <a:p>
             <a:pPr lvl="2" eaLnBrk="1" latinLnBrk="0" hangingPunct="1"/>
             <a:r>
-              <a:rPr lang="en-US" smtClean="0"/>
+              <a:rPr lang="en-US"/>
               <a:t>Third level</a:t>
             </a:r>
           </a:p>
           <a:p>
             <a:pPr lvl="3" eaLnBrk="1" latinLnBrk="0" hangingPunct="1"/>
             <a:r>
-              <a:rPr lang="en-US" smtClean="0"/>
+              <a:rPr lang="en-US"/>
               <a:t>Fourth level</a:t>
             </a:r>
           </a:p>
           <a:p>
             <a:pPr lvl="4" eaLnBrk="1" latinLnBrk="0" hangingPunct="1"/>
             <a:r>
-              <a:rPr lang="en-US" smtClean="0"/>
+              <a:rPr lang="en-US"/>
               <a:t>Fifth level</a:t>
             </a:r>
             <a:endParaRPr kumimoji="0" lang="en-US"/>
@@ -1246,35 +1255,35 @@
           <a:p>
             <a:pPr lvl="0" eaLnBrk="1" latinLnBrk="0" hangingPunct="1"/>
             <a:r>
-              <a:rPr lang="en-US" smtClean="0"/>
+              <a:rPr lang="en-US"/>
               <a:t>Click to edit Master text styles</a:t>
             </a:r>
           </a:p>
           <a:p>
             <a:pPr lvl="1" eaLnBrk="1" latinLnBrk="0" hangingPunct="1"/>
             <a:r>
-              <a:rPr lang="en-US" smtClean="0"/>
+              <a:rPr lang="en-US"/>
               <a:t>Second level</a:t>
             </a:r>
           </a:p>
           <a:p>
             <a:pPr lvl="2" eaLnBrk="1" latinLnBrk="0" hangingPunct="1"/>
             <a:r>
-              <a:rPr lang="en-US" smtClean="0"/>
+              <a:rPr lang="en-US"/>
               <a:t>Third level</a:t>
             </a:r>
           </a:p>
           <a:p>
             <a:pPr lvl="3" eaLnBrk="1" latinLnBrk="0" hangingPunct="1"/>
             <a:r>
-              <a:rPr lang="en-US" smtClean="0"/>
+              <a:rPr lang="en-US"/>
               <a:t>Fourth level</a:t>
             </a:r>
           </a:p>
           <a:p>
             <a:pPr lvl="4" eaLnBrk="1" latinLnBrk="0" hangingPunct="1"/>
             <a:r>
-              <a:rPr lang="en-US" smtClean="0"/>
+              <a:rPr lang="en-US"/>
               <a:t>Fifth level</a:t>
             </a:r>
             <a:endParaRPr kumimoji="0" lang="en-US"/>
@@ -1298,7 +1307,7 @@
           <a:p>
             <a:fld id="{097CEB16-CB3F-4206-9AA3-79C9C233772B}" type="datetimeFigureOut">
               <a:rPr lang="en-US" smtClean="0"/>
-              <a:t>4/8/2020</a:t>
+              <a:t>12/5/2021</a:t>
             </a:fld>
             <a:endParaRPr lang="en-US"/>
           </a:p>
@@ -1396,10 +1405,9 @@
           </a:lstStyle>
           <a:p>
             <a:r>
-              <a:rPr kumimoji="0" lang="en-US" smtClean="0"/>
+              <a:rPr kumimoji="0" lang="en-US"/>
               <a:t>Click to edit Master title style</a:t>
             </a:r>
-            <a:endParaRPr kumimoji="0" lang="en-US"/>
           </a:p>
         </p:txBody>
       </p:sp>
@@ -1453,7 +1461,7 @@
           <a:p>
             <a:pPr lvl="0" eaLnBrk="1" latinLnBrk="0" hangingPunct="1"/>
             <a:r>
-              <a:rPr kumimoji="0" lang="en-US" smtClean="0"/>
+              <a:rPr kumimoji="0" lang="en-US"/>
               <a:t>Click to edit Master text styles</a:t>
             </a:r>
           </a:p>
@@ -1507,7 +1515,7 @@
           <a:p>
             <a:pPr lvl="0" eaLnBrk="1" latinLnBrk="0" hangingPunct="1"/>
             <a:r>
-              <a:rPr kumimoji="0" lang="en-US" smtClean="0"/>
+              <a:rPr kumimoji="0" lang="en-US"/>
               <a:t>Click to edit Master text styles</a:t>
             </a:r>
           </a:p>
@@ -1551,35 +1559,35 @@
           <a:p>
             <a:pPr lvl="0" eaLnBrk="1" latinLnBrk="0" hangingPunct="1"/>
             <a:r>
-              <a:rPr lang="en-US" smtClean="0"/>
+              <a:rPr lang="en-US"/>
               <a:t>Click to edit Master text styles</a:t>
             </a:r>
           </a:p>
           <a:p>
             <a:pPr lvl="1" eaLnBrk="1" latinLnBrk="0" hangingPunct="1"/>
             <a:r>
-              <a:rPr lang="en-US" smtClean="0"/>
+              <a:rPr lang="en-US"/>
               <a:t>Second level</a:t>
             </a:r>
           </a:p>
           <a:p>
             <a:pPr lvl="2" eaLnBrk="1" latinLnBrk="0" hangingPunct="1"/>
             <a:r>
-              <a:rPr lang="en-US" smtClean="0"/>
+              <a:rPr lang="en-US"/>
               <a:t>Third level</a:t>
             </a:r>
           </a:p>
           <a:p>
             <a:pPr lvl="3" eaLnBrk="1" latinLnBrk="0" hangingPunct="1"/>
             <a:r>
-              <a:rPr lang="en-US" smtClean="0"/>
+              <a:rPr lang="en-US"/>
               <a:t>Fourth level</a:t>
             </a:r>
           </a:p>
           <a:p>
             <a:pPr lvl="4" eaLnBrk="1" latinLnBrk="0" hangingPunct="1"/>
             <a:r>
-              <a:rPr lang="en-US" smtClean="0"/>
+              <a:rPr lang="en-US"/>
               <a:t>Fifth level</a:t>
             </a:r>
             <a:endParaRPr kumimoji="0" lang="en-US"/>
@@ -1624,35 +1632,35 @@
           <a:p>
             <a:pPr lvl="0" eaLnBrk="1" latinLnBrk="0" hangingPunct="1"/>
             <a:r>
-              <a:rPr lang="en-US" smtClean="0"/>
+              <a:rPr lang="en-US"/>
               <a:t>Click to edit Master text styles</a:t>
             </a:r>
           </a:p>
           <a:p>
             <a:pPr lvl="1" eaLnBrk="1" latinLnBrk="0" hangingPunct="1"/>
             <a:r>
-              <a:rPr lang="en-US" smtClean="0"/>
+              <a:rPr lang="en-US"/>
               <a:t>Second level</a:t>
             </a:r>
           </a:p>
           <a:p>
             <a:pPr lvl="2" eaLnBrk="1" latinLnBrk="0" hangingPunct="1"/>
             <a:r>
-              <a:rPr lang="en-US" smtClean="0"/>
+              <a:rPr lang="en-US"/>
               <a:t>Third level</a:t>
             </a:r>
           </a:p>
           <a:p>
             <a:pPr lvl="3" eaLnBrk="1" latinLnBrk="0" hangingPunct="1"/>
             <a:r>
-              <a:rPr lang="en-US" smtClean="0"/>
+              <a:rPr lang="en-US"/>
               <a:t>Fourth level</a:t>
             </a:r>
           </a:p>
           <a:p>
             <a:pPr lvl="4" eaLnBrk="1" latinLnBrk="0" hangingPunct="1"/>
             <a:r>
-              <a:rPr lang="en-US" smtClean="0"/>
+              <a:rPr lang="en-US"/>
               <a:t>Fifth level</a:t>
             </a:r>
             <a:endParaRPr kumimoji="0" lang="en-US"/>
@@ -1676,7 +1684,7 @@
           <a:p>
             <a:fld id="{097CEB16-CB3F-4206-9AA3-79C9C233772B}" type="datetimeFigureOut">
               <a:rPr lang="en-US" smtClean="0"/>
-              <a:t>4/8/2020</a:t>
+              <a:t>12/5/2021</a:t>
             </a:fld>
             <a:endParaRPr lang="en-US"/>
           </a:p>
@@ -1802,10 +1810,9 @@
           </a:lstStyle>
           <a:p>
             <a:r>
-              <a:rPr kumimoji="0" lang="en-US" smtClean="0"/>
+              <a:rPr kumimoji="0" lang="en-US"/>
               <a:t>Click to edit Master title style</a:t>
             </a:r>
-            <a:endParaRPr kumimoji="0" lang="en-US"/>
           </a:p>
         </p:txBody>
       </p:sp>
@@ -1826,7 +1833,7 @@
           <a:p>
             <a:fld id="{097CEB16-CB3F-4206-9AA3-79C9C233772B}" type="datetimeFigureOut">
               <a:rPr lang="en-US" smtClean="0"/>
-              <a:t>4/8/2020</a:t>
+              <a:t>12/5/2021</a:t>
             </a:fld>
             <a:endParaRPr lang="en-US"/>
           </a:p>
@@ -1916,7 +1923,7 @@
           <a:p>
             <a:fld id="{097CEB16-CB3F-4206-9AA3-79C9C233772B}" type="datetimeFigureOut">
               <a:rPr lang="en-US" smtClean="0"/>
-              <a:t>4/8/2020</a:t>
+              <a:t>12/5/2021</a:t>
             </a:fld>
             <a:endParaRPr lang="en-US"/>
           </a:p>
@@ -2031,10 +2038,9 @@
           </a:lstStyle>
           <a:p>
             <a:r>
-              <a:rPr kumimoji="0" lang="en-US" smtClean="0"/>
+              <a:rPr kumimoji="0" lang="en-US"/>
               <a:t>Click to edit Master title style</a:t>
             </a:r>
-            <a:endParaRPr kumimoji="0" lang="en-US"/>
           </a:p>
         </p:txBody>
       </p:sp>
@@ -2081,7 +2087,7 @@
           <a:p>
             <a:pPr lvl="0" eaLnBrk="1" latinLnBrk="0" hangingPunct="1"/>
             <a:r>
-              <a:rPr kumimoji="0" lang="en-US" smtClean="0"/>
+              <a:rPr kumimoji="0" lang="en-US"/>
               <a:t>Click to edit Master text styles</a:t>
             </a:r>
           </a:p>
@@ -2125,35 +2131,35 @@
           <a:p>
             <a:pPr lvl="0" eaLnBrk="1" latinLnBrk="0" hangingPunct="1"/>
             <a:r>
-              <a:rPr lang="en-US" smtClean="0"/>
+              <a:rPr lang="en-US"/>
               <a:t>Click to edit Master text styles</a:t>
             </a:r>
           </a:p>
           <a:p>
             <a:pPr lvl="1" eaLnBrk="1" latinLnBrk="0" hangingPunct="1"/>
             <a:r>
-              <a:rPr lang="en-US" smtClean="0"/>
+              <a:rPr lang="en-US"/>
               <a:t>Second level</a:t>
             </a:r>
           </a:p>
           <a:p>
             <a:pPr lvl="2" eaLnBrk="1" latinLnBrk="0" hangingPunct="1"/>
             <a:r>
-              <a:rPr lang="en-US" smtClean="0"/>
+              <a:rPr lang="en-US"/>
               <a:t>Third level</a:t>
             </a:r>
           </a:p>
           <a:p>
             <a:pPr lvl="3" eaLnBrk="1" latinLnBrk="0" hangingPunct="1"/>
             <a:r>
-              <a:rPr lang="en-US" smtClean="0"/>
+              <a:rPr lang="en-US"/>
               <a:t>Fourth level</a:t>
             </a:r>
           </a:p>
           <a:p>
             <a:pPr lvl="4" eaLnBrk="1" latinLnBrk="0" hangingPunct="1"/>
             <a:r>
-              <a:rPr lang="en-US" smtClean="0"/>
+              <a:rPr lang="en-US"/>
               <a:t>Fifth level</a:t>
             </a:r>
             <a:endParaRPr kumimoji="0" lang="en-US"/>
@@ -2177,7 +2183,7 @@
           <a:p>
             <a:fld id="{097CEB16-CB3F-4206-9AA3-79C9C233772B}" type="datetimeFigureOut">
               <a:rPr lang="en-US" smtClean="0"/>
-              <a:t>4/8/2020</a:t>
+              <a:t>12/5/2021</a:t>
             </a:fld>
             <a:endParaRPr lang="en-US"/>
           </a:p>
@@ -2392,10 +2398,9 @@
           </a:lstStyle>
           <a:p>
             <a:r>
-              <a:rPr kumimoji="0" lang="en-US" smtClean="0"/>
+              <a:rPr kumimoji="0" lang="en-US"/>
               <a:t>Click to edit Master title style</a:t>
             </a:r>
-            <a:endParaRPr kumimoji="0" lang="en-US"/>
           </a:p>
         </p:txBody>
       </p:sp>
@@ -2442,7 +2447,7 @@
           <a:p>
             <a:pPr lvl="0" eaLnBrk="1" latinLnBrk="0" hangingPunct="1"/>
             <a:r>
-              <a:rPr kumimoji="0" lang="en-US" smtClean="0"/>
+              <a:rPr kumimoji="0" lang="en-US"/>
               <a:t>Click to edit Master text styles</a:t>
             </a:r>
           </a:p>
@@ -2465,7 +2470,7 @@
           <a:p>
             <a:fld id="{097CEB16-CB3F-4206-9AA3-79C9C233772B}" type="datetimeFigureOut">
               <a:rPr lang="en-US" smtClean="0"/>
-              <a:t>4/8/2020</a:t>
+              <a:t>12/5/2021</a:t>
             </a:fld>
             <a:endParaRPr lang="en-US"/>
           </a:p>
@@ -2557,7 +2562,7 @@
           </a:lstStyle>
           <a:p>
             <a:r>
-              <a:rPr kumimoji="0" lang="en-US" smtClean="0"/>
+              <a:rPr kumimoji="0" lang="en-US"/>
               <a:t>Click icon to add picture</a:t>
             </a:r>
             <a:endParaRPr kumimoji="0" lang="en-US" dirty="0"/>
@@ -3132,10 +3137,9 @@
           <a:lstStyle/>
           <a:p>
             <a:r>
-              <a:rPr kumimoji="0" lang="en-US" smtClean="0"/>
+              <a:rPr kumimoji="0" lang="en-US"/>
               <a:t>Click to edit Master title style</a:t>
             </a:r>
-            <a:endParaRPr kumimoji="0" lang="en-US"/>
           </a:p>
         </p:txBody>
       </p:sp>
@@ -3166,38 +3170,37 @@
           <a:p>
             <a:pPr lvl="0" eaLnBrk="1" latinLnBrk="0" hangingPunct="1"/>
             <a:r>
-              <a:rPr kumimoji="0" lang="en-US" smtClean="0"/>
+              <a:rPr kumimoji="0" lang="en-US"/>
               <a:t>Click to edit Master text styles</a:t>
             </a:r>
           </a:p>
           <a:p>
             <a:pPr lvl="1" eaLnBrk="1" latinLnBrk="0" hangingPunct="1"/>
             <a:r>
-              <a:rPr kumimoji="0" lang="en-US" smtClean="0"/>
+              <a:rPr kumimoji="0" lang="en-US"/>
               <a:t>Second level</a:t>
             </a:r>
           </a:p>
           <a:p>
             <a:pPr lvl="2" eaLnBrk="1" latinLnBrk="0" hangingPunct="1"/>
             <a:r>
-              <a:rPr kumimoji="0" lang="en-US" smtClean="0"/>
+              <a:rPr kumimoji="0" lang="en-US"/>
               <a:t>Third level</a:t>
             </a:r>
           </a:p>
           <a:p>
             <a:pPr lvl="3" eaLnBrk="1" latinLnBrk="0" hangingPunct="1"/>
             <a:r>
-              <a:rPr kumimoji="0" lang="en-US" smtClean="0"/>
+              <a:rPr kumimoji="0" lang="en-US"/>
               <a:t>Fourth level</a:t>
             </a:r>
           </a:p>
           <a:p>
             <a:pPr lvl="4" eaLnBrk="1" latinLnBrk="0" hangingPunct="1"/>
             <a:r>
-              <a:rPr kumimoji="0" lang="en-US" smtClean="0"/>
+              <a:rPr kumimoji="0" lang="en-US"/>
               <a:t>Fifth level</a:t>
             </a:r>
-            <a:endParaRPr kumimoji="0" lang="en-US"/>
           </a:p>
         </p:txBody>
       </p:sp>
@@ -3236,7 +3239,7 @@
           <a:p>
             <a:fld id="{097CEB16-CB3F-4206-9AA3-79C9C233772B}" type="datetimeFigureOut">
               <a:rPr lang="en-US" smtClean="0"/>
-              <a:t>4/8/2020</a:t>
+              <a:t>12/5/2021</a:t>
             </a:fld>
             <a:endParaRPr lang="en-US"/>
           </a:p>
@@ -3871,25 +3874,16 @@
           </a:bodyPr>
           <a:lstStyle/>
           <a:p>
-            <a:r>
-              <a:rPr lang="en-US" dirty="0" smtClean="0"/>
-              <a:t/>
-            </a:r>
             <a:br>
-              <a:rPr lang="en-US" dirty="0" smtClean="0"/>
+              <a:rPr lang="en-US" dirty="0"/>
             </a:br>
-            <a:r>
-              <a:rPr lang="en-US" dirty="0" smtClean="0"/>
-              <a:t/>
-            </a:r>
             <a:br>
-              <a:rPr lang="en-US" dirty="0" smtClean="0"/>
+              <a:rPr lang="en-US" dirty="0"/>
             </a:br>
             <a:r>
-              <a:rPr lang="en-US" dirty="0" smtClean="0"/>
-              <a:t> 9-Security Group </a:t>
-            </a:r>
-            <a:endParaRPr lang="en-US" dirty="0"/>
+              <a:rPr lang="en-US" dirty="0"/>
+              <a:t> 9. Security Group </a:t>
+            </a:r>
           </a:p>
         </p:txBody>
       </p:sp>
@@ -3935,25 +3929,16 @@
           </a:bodyPr>
           <a:lstStyle/>
           <a:p>
-            <a:r>
-              <a:rPr lang="en-US" b="1" dirty="0" smtClean="0"/>
-              <a:t/>
-            </a:r>
             <a:br>
-              <a:rPr lang="en-US" b="1" dirty="0" smtClean="0"/>
+              <a:rPr lang="en-US" b="1" dirty="0"/>
             </a:br>
-            <a:r>
-              <a:rPr lang="en-US" b="1" dirty="0" smtClean="0"/>
-              <a:t/>
-            </a:r>
             <a:br>
-              <a:rPr lang="en-US" b="1" dirty="0" smtClean="0"/>
+              <a:rPr lang="en-US" b="1" dirty="0"/>
             </a:br>
             <a:r>
-              <a:rPr lang="en-US" b="1" dirty="0" smtClean="0"/>
+              <a:rPr lang="en-US" b="1" dirty="0"/>
               <a:t> 9-Security Group </a:t>
             </a:r>
-            <a:endParaRPr lang="en-US" b="1" dirty="0"/>
           </a:p>
         </p:txBody>
       </p:sp>
@@ -3973,36 +3958,35 @@
           <a:lstStyle/>
           <a:p>
             <a:r>
-              <a:rPr lang="en-US" dirty="0" smtClean="0"/>
+              <a:rPr lang="en-US" dirty="0"/>
               <a:t>A </a:t>
             </a:r>
             <a:r>
-              <a:rPr lang="en-US" b="1" i="1" dirty="0" smtClean="0"/>
+              <a:rPr lang="en-US" b="1" i="1" dirty="0"/>
               <a:t>security group </a:t>
             </a:r>
             <a:r>
-              <a:rPr lang="en-US" dirty="0" smtClean="0"/>
+              <a:rPr lang="en-US" dirty="0"/>
               <a:t>acts as a virtual firewall that controls the traffic for one or more instances. </a:t>
             </a:r>
           </a:p>
           <a:p>
             <a:r>
-              <a:rPr lang="en-US" dirty="0" smtClean="0"/>
+              <a:rPr lang="en-US" dirty="0"/>
               <a:t>When you launch an instance, you associate one or more security groups with the instance. </a:t>
             </a:r>
           </a:p>
           <a:p>
             <a:r>
-              <a:rPr lang="en-US" dirty="0" smtClean="0"/>
+              <a:rPr lang="en-US" dirty="0"/>
               <a:t>You add rules to each security group that allow traffic to or from its associated instances. </a:t>
             </a:r>
           </a:p>
           <a:p>
             <a:r>
-              <a:rPr lang="en-US" dirty="0" smtClean="0"/>
+              <a:rPr lang="en-US" dirty="0"/>
               <a:t>You can modify the rules for a security group at any time; the new rules are automatically applied to all instances that are associated with the security group. </a:t>
             </a:r>
-            <a:endParaRPr lang="en-US" dirty="0"/>
           </a:p>
         </p:txBody>
       </p:sp>
@@ -4088,16 +4072,15 @@
               <a:rPr lang="en-US" sz="1200" dirty="0"/>
               <a:t>Open below URL to login to AWS console. </a:t>
             </a:r>
-            <a:endParaRPr lang="en-US" sz="1200" dirty="0" smtClean="0"/>
-          </a:p>
-          <a:p>
-            <a:r>
-              <a:rPr lang="en-US" sz="1200" dirty="0" smtClean="0">
+          </a:p>
+          <a:p>
+            <a:r>
+              <a:rPr lang="en-US" sz="1200" dirty="0">
                 <a:hlinkClick r:id="rId3"/>
               </a:rPr>
               <a:t>https://console.aws.amazon.com/</a:t>
             </a:r>
-            <a:endParaRPr lang="en-US" sz="1200" dirty="0" smtClean="0"/>
+            <a:endParaRPr lang="en-US" sz="1200" dirty="0"/>
           </a:p>
           <a:p>
             <a:endParaRPr lang="en-US" sz="1200" dirty="0"/>
@@ -4165,11 +4148,7 @@
           <a:p>
             <a:r>
               <a:rPr lang="en-US" sz="1200" dirty="0"/>
-              <a:t>Next, select your region from top right-side drop-down menu as shown below</a:t>
-            </a:r>
-            <a:r>
-              <a:rPr lang="en-US" sz="1200" dirty="0" smtClean="0"/>
-              <a:t>.</a:t>
+              <a:t>Next, select your region from top right-side drop-down menu as shown below.</a:t>
             </a:r>
           </a:p>
           <a:p>
@@ -4178,13 +4157,8 @@
           <a:p>
             <a:r>
               <a:rPr lang="en-US" sz="1200" dirty="0"/>
-              <a:t>Click on Security groups section under NETWORK &amp; SECURITY from the left pane. </a:t>
-            </a:r>
-            <a:r>
-              <a:rPr lang="en-US" sz="1200" dirty="0" smtClean="0"/>
-              <a:t> </a:t>
-            </a:r>
-            <a:endParaRPr lang="en-US" sz="1200" dirty="0"/>
+              <a:t>Click on Security groups section under NETWORK &amp; SECURITY from the left pane.  </a:t>
+            </a:r>
           </a:p>
         </p:txBody>
       </p:sp>
@@ -4623,12 +4597,8 @@
           <a:lstStyle/>
           <a:p>
             <a:r>
-              <a:rPr lang="en-US" sz="1800" b="1" dirty="0" smtClean="0"/>
-              <a:t>CHANGING OR ADDING SECURITY GROUPS TO YOUR EXISTING </a:t>
-            </a:r>
-            <a:r>
-              <a:rPr lang="en-US" sz="1800" b="1" dirty="0" smtClean="0"/>
-              <a:t>INSTANCES </a:t>
+              <a:rPr lang="en-US" sz="1800" b="1" dirty="0"/>
+              <a:t>CHANGING OR ADDING SECURITY GROUPS TO YOUR EXISTING INSTANCES </a:t>
             </a:r>
             <a:endParaRPr lang="en-US" sz="1800" dirty="0"/>
           </a:p>
@@ -4652,10 +4622,9 @@
           <a:lstStyle/>
           <a:p>
             <a:r>
-              <a:rPr lang="en-US" sz="1200" dirty="0" smtClean="0"/>
+              <a:rPr lang="en-US" sz="1200" dirty="0"/>
               <a:t>Click the instance from Instance tab and select the instance, then click on Actions. </a:t>
             </a:r>
-            <a:endParaRPr lang="en-US" sz="1200" dirty="0"/>
           </a:p>
         </p:txBody>
       </p:sp>
@@ -4713,10 +4682,9 @@
           <a:lstStyle/>
           <a:p>
             <a:r>
-              <a:rPr lang="en-US" sz="1200" dirty="0" smtClean="0"/>
+              <a:rPr lang="en-US" sz="1200" dirty="0"/>
               <a:t>Then go to Networking and under networking select Change Security groups. </a:t>
             </a:r>
-            <a:endParaRPr lang="en-US" sz="1200" dirty="0"/>
           </a:p>
         </p:txBody>
       </p:sp>
